--- a/Mobile/Presentazione/NFC.pptx
+++ b/Mobile/Presentazione/NFC.pptx
@@ -26822,7 +26822,7 @@
             <a:pPr rtl="0"/>
             <a:fld id="{C0FA3576-2E34-44A5-91FF-3C53AC3DA648}" type="datetime1">
               <a:rPr lang="it-IT" smtClean="0"/>
-              <a:t>31/05/2023</a:t>
+              <a:t>02/06/2023</a:t>
             </a:fld>
             <a:endParaRPr lang="it-IT"/>
           </a:p>
@@ -27004,7 +27004,7 @@
             <a:fld id="{F8F21FEC-DF32-4E90-A279-29D5C0BB0773}" type="datetime1">
               <a:rPr lang="it-IT" smtClean="0"/>
               <a:pPr/>
-              <a:t>31/05/2023</a:t>
+              <a:t>02/06/2023</a:t>
             </a:fld>
             <a:endParaRPr lang="it-IT" dirty="0"/>
           </a:p>
@@ -28417,7 +28417,7 @@
             <a:pPr rtl="0"/>
             <a:fld id="{87A23933-3F77-4C59-A775-45E2435C8368}" type="datetime1">
               <a:rPr lang="it-IT" noProof="0" smtClean="0"/>
-              <a:t>31/05/2023</a:t>
+              <a:t>02/06/2023</a:t>
             </a:fld>
             <a:endParaRPr lang="it-IT" noProof="0"/>
           </a:p>
@@ -28682,7 +28682,7 @@
             <a:pPr rtl="0"/>
             <a:fld id="{4B4ECE9F-4108-4829-8F23-DFA9C926965D}" type="datetime1">
               <a:rPr lang="it-IT" noProof="0" smtClean="0"/>
-              <a:t>31/05/2023</a:t>
+              <a:t>02/06/2023</a:t>
             </a:fld>
             <a:endParaRPr lang="it-IT" noProof="0"/>
           </a:p>
@@ -28920,7 +28920,7 @@
             <a:pPr rtl="0"/>
             <a:fld id="{2AB59B6B-A2EF-4B30-AEF7-A3091D0F5449}" type="datetime1">
               <a:rPr lang="it-IT" noProof="0" smtClean="0"/>
-              <a:t>31/05/2023</a:t>
+              <a:t>02/06/2023</a:t>
             </a:fld>
             <a:endParaRPr lang="it-IT" noProof="0" dirty="0"/>
           </a:p>
@@ -29163,7 +29163,7 @@
             <a:pPr rtl="0"/>
             <a:fld id="{7F3FB14C-AC96-42E5-BE0B-73EFAA1A7EA7}" type="datetime1">
               <a:rPr lang="it-IT" noProof="0" smtClean="0"/>
-              <a:t>31/05/2023</a:t>
+              <a:t>02/06/2023</a:t>
             </a:fld>
             <a:endParaRPr lang="it-IT" noProof="0"/>
           </a:p>
@@ -29474,7 +29474,7 @@
             <a:pPr rtl="0"/>
             <a:fld id="{76327E91-20FF-43F1-A337-75953C73E7D7}" type="datetime1">
               <a:rPr lang="it-IT" noProof="0" smtClean="0"/>
-              <a:t>31/05/2023</a:t>
+              <a:t>02/06/2023</a:t>
             </a:fld>
             <a:endParaRPr lang="it-IT" noProof="0"/>
           </a:p>
@@ -29778,7 +29778,7 @@
             <a:pPr rtl="0"/>
             <a:fld id="{9EDCB701-B7F2-4988-9CFB-241C1D412354}" type="datetime1">
               <a:rPr lang="it-IT" noProof="0" smtClean="0"/>
-              <a:t>31/05/2023</a:t>
+              <a:t>02/06/2023</a:t>
             </a:fld>
             <a:endParaRPr lang="it-IT" noProof="0"/>
           </a:p>
@@ -30202,7 +30202,7 @@
             <a:pPr rtl="0"/>
             <a:fld id="{4B9B0459-76CC-4B94-A6C6-908B17D42BC8}" type="datetime1">
               <a:rPr lang="it-IT" noProof="0" smtClean="0"/>
-              <a:t>31/05/2023</a:t>
+              <a:t>02/06/2023</a:t>
             </a:fld>
             <a:endParaRPr lang="it-IT" noProof="0"/>
           </a:p>
@@ -30301,7 +30301,7 @@
             <a:pPr rtl="0"/>
             <a:fld id="{62D572E4-8572-44CF-B6FA-B15ECB2B0691}" type="datetime1">
               <a:rPr lang="it-IT" noProof="0" smtClean="0"/>
-              <a:t>31/05/2023</a:t>
+              <a:t>02/06/2023</a:t>
             </a:fld>
             <a:endParaRPr lang="it-IT" noProof="0"/>
           </a:p>
@@ -30467,7 +30467,7 @@
             <a:pPr rtl="0"/>
             <a:fld id="{5F266B29-8DDF-40ED-AC5D-ED73AC5A6521}" type="datetime1">
               <a:rPr lang="it-IT" noProof="0" smtClean="0"/>
-              <a:t>31/05/2023</a:t>
+              <a:t>02/06/2023</a:t>
             </a:fld>
             <a:endParaRPr lang="it-IT" noProof="0"/>
           </a:p>
@@ -30848,7 +30848,7 @@
             <a:pPr rtl="0"/>
             <a:fld id="{4CFC7787-2DFD-4221-B49C-354C37128239}" type="datetime1">
               <a:rPr lang="it-IT" noProof="0" smtClean="0"/>
-              <a:t>31/05/2023</a:t>
+              <a:t>02/06/2023</a:t>
             </a:fld>
             <a:endParaRPr lang="it-IT" noProof="0"/>
           </a:p>
@@ -31141,7 +31141,7 @@
             <a:pPr rtl="0"/>
             <a:fld id="{D3F07A8F-C5D3-4128-B052-E864993A59CE}" type="datetime1">
               <a:rPr lang="it-IT" noProof="0" smtClean="0"/>
-              <a:t>31/05/2023</a:t>
+              <a:t>02/06/2023</a:t>
             </a:fld>
             <a:endParaRPr lang="it-IT" noProof="0"/>
           </a:p>
@@ -31355,7 +31355,7 @@
             <a:pPr rtl="0"/>
             <a:fld id="{A36BACEF-F5E2-445B-BCCF-A68C06C41D7B}" type="datetime1">
               <a:rPr lang="it-IT" noProof="0" smtClean="0"/>
-              <a:t>31/05/2023</a:t>
+              <a:t>02/06/2023</a:t>
             </a:fld>
             <a:endParaRPr lang="it-IT" noProof="0" dirty="0"/>
           </a:p>
@@ -32492,7 +32492,7 @@
           <a:p>
             <a:r>
               <a:rPr lang="it-IT" sz="1600" dirty="0"/>
-              <a:t> esso usando il metodo statico </a:t>
+              <a:t> esso usando il metodo </a:t>
             </a:r>
             <a:r>
               <a:rPr lang="it-IT" sz="1600" dirty="0" err="1"/>
@@ -32969,13 +32969,13 @@
   <p:clrMapOvr>
     <a:masterClrMapping/>
   </p:clrMapOvr>
-  <mc:AlternateContent xmlns:mc="http://schemas.openxmlformats.org/markup-compatibility/2006">
-    <mc:Choice xmlns:p159="http://schemas.microsoft.com/office/powerpoint/2015/09/main" Requires="p159">
+  <mc:AlternateContent xmlns:mc="http://schemas.openxmlformats.org/markup-compatibility/2006" xmlns:p159="http://schemas.microsoft.com/office/powerpoint/2015/09/main">
+    <mc:Choice Requires="p159">
       <p:transition spd="slow">
         <p159:morph option="byObject"/>
       </p:transition>
     </mc:Choice>
-    <mc:Fallback>
+    <mc:Fallback xmlns="">
       <p:transition spd="slow">
         <p:fade/>
       </p:transition>
@@ -33080,7 +33080,7 @@
         <p:spPr>
           <a:xfrm>
             <a:off x="437351" y="2833721"/>
-            <a:ext cx="11317297" cy="2308324"/>
+            <a:ext cx="11317297" cy="1754326"/>
           </a:xfrm>
           <a:prstGeom prst="rect">
             <a:avLst/>
@@ -33188,27 +33188,7 @@
             </a:r>
             <a:r>
               <a:rPr lang="it-IT" dirty="0"/>
-              <a:t> al tuo progetto. </a:t>
-            </a:r>
-          </a:p>
-          <a:p>
-            <a:r>
-              <a:rPr lang="it-IT" dirty="0"/>
-              <a:t>     Per farlo si seleziona il progetto nella navigazione, e nella scheda General nella sezione Frameworks, Libraries, </a:t>
-            </a:r>
-          </a:p>
-          <a:p>
-            <a:r>
-              <a:rPr lang="it-IT" dirty="0"/>
-              <a:t>     and Embedded Content. Si aggiunge </a:t>
-            </a:r>
-            <a:r>
-              <a:rPr lang="it-IT" dirty="0" err="1"/>
-              <a:t>CoreNFC.framework</a:t>
-            </a:r>
-            <a:r>
-              <a:rPr lang="it-IT" dirty="0"/>
-              <a:t>.</a:t>
+              <a:t> al tuo progetto.</a:t>
             </a:r>
           </a:p>
         </p:txBody>
@@ -33223,13 +33203,13 @@
   <p:clrMapOvr>
     <a:masterClrMapping/>
   </p:clrMapOvr>
-  <mc:AlternateContent xmlns:mc="http://schemas.openxmlformats.org/markup-compatibility/2006">
-    <mc:Choice xmlns:p159="http://schemas.microsoft.com/office/powerpoint/2015/09/main" Requires="p159">
+  <mc:AlternateContent xmlns:mc="http://schemas.openxmlformats.org/markup-compatibility/2006" xmlns:p159="http://schemas.microsoft.com/office/powerpoint/2015/09/main">
+    <mc:Choice Requires="p159">
       <p:transition spd="slow">
         <p159:morph option="byObject"/>
       </p:transition>
     </mc:Choice>
-    <mc:Fallback>
+    <mc:Fallback xmlns="">
       <p:transition spd="slow">
         <p:fade/>
       </p:transition>
@@ -33680,13 +33660,13 @@
   <p:clrMapOvr>
     <a:masterClrMapping/>
   </p:clrMapOvr>
-  <mc:AlternateContent xmlns:mc="http://schemas.openxmlformats.org/markup-compatibility/2006">
-    <mc:Choice xmlns:p159="http://schemas.microsoft.com/office/powerpoint/2015/09/main" Requires="p159">
+  <mc:AlternateContent xmlns:mc="http://schemas.openxmlformats.org/markup-compatibility/2006" xmlns:p159="http://schemas.microsoft.com/office/powerpoint/2015/09/main">
+    <mc:Choice Requires="p159">
       <p:transition spd="slow">
         <p159:morph option="byObject"/>
       </p:transition>
     </mc:Choice>
-    <mc:Fallback>
+    <mc:Fallback xmlns="">
       <p:transition spd="slow">
         <p:fade/>
       </p:transition>
@@ -34521,13 +34501,13 @@
   <p:clrMapOvr>
     <a:masterClrMapping/>
   </p:clrMapOvr>
-  <mc:AlternateContent xmlns:mc="http://schemas.openxmlformats.org/markup-compatibility/2006">
-    <mc:Choice xmlns:p159="http://schemas.microsoft.com/office/powerpoint/2015/09/main" Requires="p159">
+  <mc:AlternateContent xmlns:mc="http://schemas.openxmlformats.org/markup-compatibility/2006" xmlns:p159="http://schemas.microsoft.com/office/powerpoint/2015/09/main">
+    <mc:Choice Requires="p159">
       <p:transition spd="slow">
         <p159:morph option="byObject"/>
       </p:transition>
     </mc:Choice>
-    <mc:Fallback>
+    <mc:Fallback xmlns="">
       <p:transition spd="slow">
         <p:fade/>
       </p:transition>
@@ -34788,13 +34768,13 @@
   <p:clrMapOvr>
     <a:masterClrMapping/>
   </p:clrMapOvr>
-  <mc:AlternateContent xmlns:mc="http://schemas.openxmlformats.org/markup-compatibility/2006">
-    <mc:Choice xmlns:p159="http://schemas.microsoft.com/office/powerpoint/2015/09/main" Requires="p159">
+  <mc:AlternateContent xmlns:mc="http://schemas.openxmlformats.org/markup-compatibility/2006" xmlns:p159="http://schemas.microsoft.com/office/powerpoint/2015/09/main">
+    <mc:Choice Requires="p159">
       <p:transition spd="slow">
         <p159:morph option="byObject"/>
       </p:transition>
     </mc:Choice>
-    <mc:Fallback>
+    <mc:Fallback xmlns="">
       <p:transition spd="slow">
         <p:fade/>
       </p:transition>
@@ -34927,13 +34907,13 @@
   <p:clrMapOvr>
     <a:masterClrMapping/>
   </p:clrMapOvr>
-  <mc:AlternateContent xmlns:mc="http://schemas.openxmlformats.org/markup-compatibility/2006">
-    <mc:Choice xmlns:p159="http://schemas.microsoft.com/office/powerpoint/2015/09/main" Requires="p159">
+  <mc:AlternateContent xmlns:mc="http://schemas.openxmlformats.org/markup-compatibility/2006" xmlns:p159="http://schemas.microsoft.com/office/powerpoint/2015/09/main">
+    <mc:Choice Requires="p159">
       <p:transition xmlns:p14="http://schemas.microsoft.com/office/powerpoint/2010/main" spd="slow" p14:dur="1250">
         <p159:morph option="byObject"/>
       </p:transition>
     </mc:Choice>
-    <mc:Fallback>
+    <mc:Fallback xmlns="">
       <p:transition spd="slow">
         <p:fade/>
       </p:transition>
@@ -35171,13 +35151,13 @@
   <p:clrMapOvr>
     <a:masterClrMapping/>
   </p:clrMapOvr>
-  <mc:AlternateContent xmlns:mc="http://schemas.openxmlformats.org/markup-compatibility/2006">
-    <mc:Choice xmlns:p14="http://schemas.microsoft.com/office/powerpoint/2010/main" Requires="p14">
+  <mc:AlternateContent xmlns:mc="http://schemas.openxmlformats.org/markup-compatibility/2006" xmlns:p14="http://schemas.microsoft.com/office/powerpoint/2010/main">
+    <mc:Choice Requires="p14">
       <p:transition spd="slow" p14:dur="1750">
         <p14:reveal/>
       </p:transition>
     </mc:Choice>
-    <mc:Fallback>
+    <mc:Fallback xmlns="">
       <p:transition spd="slow">
         <p:fade/>
       </p:transition>
@@ -35845,13 +35825,13 @@
   <p:clrMapOvr>
     <a:masterClrMapping/>
   </p:clrMapOvr>
-  <mc:AlternateContent xmlns:mc="http://schemas.openxmlformats.org/markup-compatibility/2006">
-    <mc:Choice xmlns:p14="http://schemas.microsoft.com/office/powerpoint/2010/main" Requires="p14">
+  <mc:AlternateContent xmlns:mc="http://schemas.openxmlformats.org/markup-compatibility/2006" xmlns:p14="http://schemas.microsoft.com/office/powerpoint/2010/main">
+    <mc:Choice Requires="p14">
       <p:transition spd="slow">
         <p14:ferris dir="l"/>
       </p:transition>
     </mc:Choice>
-    <mc:Fallback>
+    <mc:Fallback xmlns="">
       <p:transition spd="slow">
         <p:fade/>
       </p:transition>
@@ -38323,13 +38303,13 @@
   <p:clrMapOvr>
     <a:masterClrMapping/>
   </p:clrMapOvr>
-  <mc:AlternateContent xmlns:mc="http://schemas.openxmlformats.org/markup-compatibility/2006">
-    <mc:Choice xmlns:p14="http://schemas.microsoft.com/office/powerpoint/2010/main" Requires="p14">
+  <mc:AlternateContent xmlns:mc="http://schemas.openxmlformats.org/markup-compatibility/2006" xmlns:p14="http://schemas.microsoft.com/office/powerpoint/2010/main">
+    <mc:Choice Requires="p14">
       <p:transition spd="slow">
         <p14:ferris dir="l"/>
       </p:transition>
     </mc:Choice>
-    <mc:Fallback>
+    <mc:Fallback xmlns="">
       <p:transition spd="slow">
         <p:fade/>
       </p:transition>
@@ -40794,13 +40774,13 @@
   <p:clrMapOvr>
     <a:masterClrMapping/>
   </p:clrMapOvr>
-  <mc:AlternateContent xmlns:mc="http://schemas.openxmlformats.org/markup-compatibility/2006">
-    <mc:Choice xmlns:p14="http://schemas.microsoft.com/office/powerpoint/2010/main" Requires="p14">
+  <mc:AlternateContent xmlns:mc="http://schemas.openxmlformats.org/markup-compatibility/2006" xmlns:p14="http://schemas.microsoft.com/office/powerpoint/2010/main">
+    <mc:Choice Requires="p14">
       <p:transition spd="slow">
         <p14:ferris dir="l"/>
       </p:transition>
     </mc:Choice>
-    <mc:Fallback>
+    <mc:Fallback xmlns="">
       <p:transition spd="slow">
         <p:fade/>
       </p:transition>
@@ -42019,13 +41999,13 @@
   <p:clrMapOvr>
     <a:masterClrMapping/>
   </p:clrMapOvr>
-  <mc:AlternateContent xmlns:mc="http://schemas.openxmlformats.org/markup-compatibility/2006">
-    <mc:Choice xmlns:p14="http://schemas.microsoft.com/office/powerpoint/2010/main" Requires="p14">
+  <mc:AlternateContent xmlns:mc="http://schemas.openxmlformats.org/markup-compatibility/2006" xmlns:p14="http://schemas.microsoft.com/office/powerpoint/2010/main">
+    <mc:Choice Requires="p14">
       <p:transition spd="slow">
         <p14:ferris dir="l"/>
       </p:transition>
     </mc:Choice>
-    <mc:Fallback>
+    <mc:Fallback xmlns="">
       <p:transition spd="slow">
         <p:fade/>
       </p:transition>
@@ -44818,13 +44798,13 @@
   <p:clrMapOvr>
     <a:masterClrMapping/>
   </p:clrMapOvr>
-  <mc:AlternateContent xmlns:mc="http://schemas.openxmlformats.org/markup-compatibility/2006">
-    <mc:Choice xmlns:p159="http://schemas.microsoft.com/office/powerpoint/2015/09/main" Requires="p159">
+  <mc:AlternateContent xmlns:mc="http://schemas.openxmlformats.org/markup-compatibility/2006" xmlns:p159="http://schemas.microsoft.com/office/powerpoint/2015/09/main">
+    <mc:Choice Requires="p159">
       <p:transition spd="slow">
         <p159:morph option="byObject"/>
       </p:transition>
     </mc:Choice>
-    <mc:Fallback>
+    <mc:Fallback xmlns="">
       <p:transition spd="slow">
         <p:fade/>
       </p:transition>
@@ -47734,13 +47714,13 @@
   <p:clrMapOvr>
     <a:masterClrMapping/>
   </p:clrMapOvr>
-  <mc:AlternateContent xmlns:mc="http://schemas.openxmlformats.org/markup-compatibility/2006">
-    <mc:Choice xmlns:p159="http://schemas.microsoft.com/office/powerpoint/2015/09/main" Requires="p159">
+  <mc:AlternateContent xmlns:mc="http://schemas.openxmlformats.org/markup-compatibility/2006" xmlns:p159="http://schemas.microsoft.com/office/powerpoint/2015/09/main">
+    <mc:Choice Requires="p159">
       <p:transition spd="slow">
         <p159:morph option="byObject"/>
       </p:transition>
     </mc:Choice>
-    <mc:Fallback>
+    <mc:Fallback xmlns="">
       <p:transition spd="slow">
         <p:fade/>
       </p:transition>
@@ -48748,13 +48728,13 @@
   <p:clrMapOvr>
     <a:masterClrMapping/>
   </p:clrMapOvr>
-  <mc:AlternateContent xmlns:mc="http://schemas.openxmlformats.org/markup-compatibility/2006">
-    <mc:Choice xmlns:p159="http://schemas.microsoft.com/office/powerpoint/2015/09/main" Requires="p159">
+  <mc:AlternateContent xmlns:mc="http://schemas.openxmlformats.org/markup-compatibility/2006" xmlns:p159="http://schemas.microsoft.com/office/powerpoint/2015/09/main">
+    <mc:Choice Requires="p159">
       <p:transition spd="slow">
         <p159:morph option="byObject"/>
       </p:transition>
     </mc:Choice>
-    <mc:Fallback>
+    <mc:Fallback xmlns="">
       <p:transition spd="slow">
         <p:fade/>
       </p:transition>
@@ -49623,15 +49603,6 @@
 </file>
 
 <file path=customXml/item1.xml><?xml version="1.0" encoding="utf-8"?>
-<?mso-contentType ?>
-<FormTemplates xmlns="http://schemas.microsoft.com/sharepoint/v3/contenttype/forms">
-  <Display>DocumentLibraryForm</Display>
-  <Edit>DocumentLibraryForm</Edit>
-  <New>DocumentLibraryForm</New>
-</FormTemplates>
-</file>
-
-<file path=customXml/item2.xml><?xml version="1.0" encoding="utf-8"?>
 <ct:contentTypeSchema xmlns:ct="http://schemas.microsoft.com/office/2006/metadata/contentType" xmlns:ma="http://schemas.microsoft.com/office/2006/metadata/properties/metaAttributes" ct:_="" ma:_="" ma:contentTypeName="Document" ma:contentTypeID="0x010100B7AF0B0BCC99C64BAEE3636705749181" ma:contentTypeVersion="12" ma:contentTypeDescription="Create a new document." ma:contentTypeScope="" ma:versionID="ee8d00a137df102de886bcf5c7573794">
   <xsd:schema xmlns:xsd="http://www.w3.org/2001/XMLSchema" xmlns:xs="http://www.w3.org/2001/XMLSchema" xmlns:p="http://schemas.microsoft.com/office/2006/metadata/properties" xmlns:ns3="6149ad73-68cb-484b-9a43-7dbe8c89501a" xmlns:ns4="10dcc929-1977-4edb-84a8-194d4ce81613" targetNamespace="http://schemas.microsoft.com/office/2006/metadata/properties" ma:root="true" ma:fieldsID="285dd08a225c66ca30a67e4adc3134e5" ns3:_="" ns4:_="">
     <xsd:import namespace="6149ad73-68cb-484b-9a43-7dbe8c89501a"/>
@@ -49846,6 +49817,15 @@
 </ct:contentTypeSchema>
 </file>
 
+<file path=customXml/item2.xml><?xml version="1.0" encoding="utf-8"?>
+<?mso-contentType ?>
+<FormTemplates xmlns="http://schemas.microsoft.com/sharepoint/v3/contenttype/forms">
+  <Display>DocumentLibraryForm</Display>
+  <Edit>DocumentLibraryForm</Edit>
+  <New>DocumentLibraryForm</New>
+</FormTemplates>
+</file>
+
 <file path=customXml/item3.xml><?xml version="1.0" encoding="utf-8"?>
 <p:properties xmlns:p="http://schemas.microsoft.com/office/2006/metadata/properties" xmlns:xsi="http://www.w3.org/2001/XMLSchema-instance" xmlns:pc="http://schemas.microsoft.com/office/infopath/2007/PartnerControls">
   <documentManagement>
@@ -49855,14 +49835,6 @@
 </file>
 
 <file path=customXml/itemProps1.xml><?xml version="1.0" encoding="utf-8"?>
-<ds:datastoreItem xmlns:ds="http://schemas.openxmlformats.org/officeDocument/2006/customXml" ds:itemID="{6989E170-A711-42E4-B066-1DA0C0F1C859}">
-  <ds:schemaRefs>
-    <ds:schemaRef ds:uri="http://schemas.microsoft.com/sharepoint/v3/contenttype/forms"/>
-  </ds:schemaRefs>
-</ds:datastoreItem>
-</file>
-
-<file path=customXml/itemProps2.xml><?xml version="1.0" encoding="utf-8"?>
 <ds:datastoreItem xmlns:ds="http://schemas.openxmlformats.org/officeDocument/2006/customXml" ds:itemID="{A3190819-4B55-4784-89B1-88B359FA2517}">
   <ds:schemaRefs>
     <ds:schemaRef ds:uri="http://schemas.microsoft.com/office/2006/metadata/contentType"/>
@@ -49877,6 +49849,14 @@
     <ds:schemaRef ds:uri="http://purl.org/dc/elements/1.1/"/>
     <ds:schemaRef ds:uri="http://purl.org/dc/terms/"/>
     <ds:schemaRef ds:uri="http://schemas.microsoft.com/internal/obd"/>
+  </ds:schemaRefs>
+</ds:datastoreItem>
+</file>
+
+<file path=customXml/itemProps2.xml><?xml version="1.0" encoding="utf-8"?>
+<ds:datastoreItem xmlns:ds="http://schemas.openxmlformats.org/officeDocument/2006/customXml" ds:itemID="{6989E170-A711-42E4-B066-1DA0C0F1C859}">
+  <ds:schemaRefs>
+    <ds:schemaRef ds:uri="http://schemas.microsoft.com/sharepoint/v3/contenttype/forms"/>
   </ds:schemaRefs>
 </ds:datastoreItem>
 </file>
